--- a/Documents/designReview.pptx
+++ b/Documents/designReview.pptx
@@ -5,10 +5,10 @@
     <p:sldMasterId id="2147483664" r:id="rId2"/>
   </p:sldMasterIdLst>
   <p:notesMasterIdLst>
-    <p:notesMasterId r:id="rId17"/>
+    <p:notesMasterId r:id="rId20"/>
   </p:notesMasterIdLst>
   <p:handoutMasterIdLst>
-    <p:handoutMasterId r:id="rId18"/>
+    <p:handoutMasterId r:id="rId21"/>
   </p:handoutMasterIdLst>
   <p:sldIdLst>
     <p:sldId id="256" r:id="rId3"/>
@@ -24,7 +24,10 @@
     <p:sldId id="272" r:id="rId13"/>
     <p:sldId id="266" r:id="rId14"/>
     <p:sldId id="273" r:id="rId15"/>
-    <p:sldId id="268" r:id="rId16"/>
+    <p:sldId id="274" r:id="rId16"/>
+    <p:sldId id="276" r:id="rId17"/>
+    <p:sldId id="275" r:id="rId18"/>
+    <p:sldId id="268" r:id="rId19"/>
   </p:sldIdLst>
   <p:sldSz cx="9144000" cy="6858000" type="screen4x3"/>
   <p:notesSz cx="6997700" cy="9283700"/>
@@ -125,7 +128,7 @@
   </p:defaultTextStyle>
   <p:extLst>
     <p:ext uri="{EFAFB233-063F-42B5-8137-9DF3F51BA10A}">
-      <p15:sldGuideLst xmlns:p15="http://schemas.microsoft.com/office/powerpoint/2012/main">
+      <p15:sldGuideLst xmlns="" xmlns:p15="http://schemas.microsoft.com/office/powerpoint/2012/main">
         <p15:guide id="1" orient="horz" pos="2160">
           <p15:clr>
             <a:srgbClr val="A4A3A4"/>
@@ -3500,7 +3503,7 @@
             <a:fld id="{3739F75B-3842-4986-B379-A25F65D2E2D9}" type="datetimeFigureOut">
               <a:rPr lang="en-US" smtClean="0"/>
               <a:pPr/>
-              <a:t>11/5/2014</a:t>
+              <a:t>11/6/2014</a:t>
             </a:fld>
             <a:endParaRPr lang="en-US"/>
           </a:p>
@@ -3651,7 +3654,7 @@
             <a:fld id="{866387FC-CCBE-45D6-8023-B2729909DF51}" type="datetimeFigureOut">
               <a:rPr lang="en-US" smtClean="0"/>
               <a:pPr/>
-              <a:t>11/5/2014</a:t>
+              <a:t>11/6/2014</a:t>
             </a:fld>
             <a:endParaRPr lang="en-US"/>
           </a:p>
@@ -3988,7 +3991,7 @@
             <a:fld id="{866387FC-CCBE-45D6-8023-B2729909DF51}" type="datetimeFigureOut">
               <a:rPr lang="en-US" smtClean="0"/>
               <a:pPr/>
-              <a:t>11/5/2014</a:t>
+              <a:t>11/6/2014</a:t>
             </a:fld>
             <a:endParaRPr lang="en-US"/>
           </a:p>
@@ -4142,7 +4145,7 @@
             <a:fld id="{866387FC-CCBE-45D6-8023-B2729909DF51}" type="datetimeFigureOut">
               <a:rPr lang="en-US" smtClean="0"/>
               <a:pPr/>
-              <a:t>11/5/2014</a:t>
+              <a:t>11/6/2014</a:t>
             </a:fld>
             <a:endParaRPr lang="en-US"/>
           </a:p>
@@ -4296,7 +4299,7 @@
             <a:fld id="{866387FC-CCBE-45D6-8023-B2729909DF51}" type="datetimeFigureOut">
               <a:rPr lang="en-US" smtClean="0"/>
               <a:pPr/>
-              <a:t>11/5/2014</a:t>
+              <a:t>11/6/2014</a:t>
             </a:fld>
             <a:endParaRPr lang="en-US"/>
           </a:p>
@@ -4450,7 +4453,7 @@
             <a:fld id="{866387FC-CCBE-45D6-8023-B2729909DF51}" type="datetimeFigureOut">
               <a:rPr lang="en-US" smtClean="0"/>
               <a:pPr/>
-              <a:t>11/5/2014</a:t>
+              <a:t>11/6/2014</a:t>
             </a:fld>
             <a:endParaRPr lang="en-US"/>
           </a:p>
@@ -4604,7 +4607,7 @@
             <a:fld id="{866387FC-CCBE-45D6-8023-B2729909DF51}" type="datetimeFigureOut">
               <a:rPr lang="en-US" smtClean="0"/>
               <a:pPr/>
-              <a:t>11/5/2014</a:t>
+              <a:t>11/6/2014</a:t>
             </a:fld>
             <a:endParaRPr lang="en-US"/>
           </a:p>
@@ -4758,7 +4761,7 @@
             <a:fld id="{866387FC-CCBE-45D6-8023-B2729909DF51}" type="datetimeFigureOut">
               <a:rPr lang="en-US" smtClean="0"/>
               <a:pPr/>
-              <a:t>11/5/2014</a:t>
+              <a:t>11/6/2014</a:t>
             </a:fld>
             <a:endParaRPr lang="en-US"/>
           </a:p>
@@ -4802,6 +4805,468 @@
               <a:rPr lang="en-US" smtClean="0"/>
               <a:pPr/>
               <a:t>14</a:t>
+            </a:fld>
+            <a:endParaRPr lang="en-US"/>
+          </a:p>
+        </p:txBody>
+      </p:sp>
+      <p:sp>
+        <p:nvSpPr>
+          <p:cNvPr id="7" name="Rectangle 7"/>
+          <p:cNvSpPr>
+            <a:spLocks noGrp="1"/>
+          </p:cNvSpPr>
+          <p:nvPr>
+            <p:ph type="hdr" sz="quarter" idx="13"/>
+          </p:nvPr>
+        </p:nvSpPr>
+        <p:spPr/>
+        <p:txBody>
+          <a:bodyPr/>
+          <a:lstStyle/>
+          <a:p>
+            <a:endParaRPr lang="en-US"/>
+          </a:p>
+        </p:txBody>
+      </p:sp>
+    </p:spTree>
+    <p:extLst>
+      <p:ext uri="{BB962C8B-B14F-4D97-AF65-F5344CB8AC3E}">
+        <p14:creationId xmlns:p14="http://schemas.microsoft.com/office/powerpoint/2010/main" val="1267977337"/>
+      </p:ext>
+    </p:extLst>
+  </p:cSld>
+  <p:clrMapOvr>
+    <a:masterClrMapping/>
+  </p:clrMapOvr>
+</p:notes>
+</file>
+
+<file path=ppt/notesSlides/notesSlide15.xml><?xml version="1.0" encoding="utf-8"?>
+<p:notes xmlns:a="http://schemas.openxmlformats.org/drawingml/2006/main" xmlns:r="http://schemas.openxmlformats.org/officeDocument/2006/relationships" xmlns:p="http://schemas.openxmlformats.org/presentationml/2006/main">
+  <p:cSld>
+    <p:spTree>
+      <p:nvGrpSpPr>
+        <p:cNvPr id="1" name=""/>
+        <p:cNvGrpSpPr/>
+        <p:nvPr/>
+      </p:nvGrpSpPr>
+      <p:grpSpPr>
+        <a:xfrm>
+          <a:off x="0" y="0"/>
+          <a:ext cx="0" cy="0"/>
+          <a:chOff x="0" y="0"/>
+          <a:chExt cx="0" cy="0"/>
+        </a:xfrm>
+      </p:grpSpPr>
+      <p:sp>
+        <p:nvSpPr>
+          <p:cNvPr id="2" name="Rectangle 2"/>
+          <p:cNvSpPr>
+            <a:spLocks noGrp="1" noRot="1" noChangeAspect="1"/>
+          </p:cNvSpPr>
+          <p:nvPr>
+            <p:ph type="sldImg"/>
+          </p:nvPr>
+        </p:nvSpPr>
+        <p:spPr/>
+        <p:txBody>
+          <a:bodyPr/>
+          <a:lstStyle/>
+          <a:p>
+            <a:endParaRPr lang="en-US"/>
+          </a:p>
+        </p:txBody>
+      </p:sp>
+      <p:sp>
+        <p:nvSpPr>
+          <p:cNvPr id="3" name="Rectangle 3"/>
+          <p:cNvSpPr>
+            <a:spLocks noGrp="1"/>
+          </p:cNvSpPr>
+          <p:nvPr>
+            <p:ph type="body" idx="1"/>
+          </p:nvPr>
+        </p:nvSpPr>
+        <p:spPr/>
+        <p:txBody>
+          <a:bodyPr/>
+          <a:lstStyle/>
+          <a:p>
+            <a:endParaRPr lang="en-US"/>
+          </a:p>
+        </p:txBody>
+      </p:sp>
+      <p:sp>
+        <p:nvSpPr>
+          <p:cNvPr id="4" name="Rectangle 4"/>
+          <p:cNvSpPr>
+            <a:spLocks noGrp="1"/>
+          </p:cNvSpPr>
+          <p:nvPr>
+            <p:ph type="dt" idx="10"/>
+          </p:nvPr>
+        </p:nvSpPr>
+        <p:spPr/>
+        <p:txBody>
+          <a:bodyPr/>
+          <a:lstStyle/>
+          <a:p>
+            <a:fld id="{866387FC-CCBE-45D6-8023-B2729909DF51}" type="datetimeFigureOut">
+              <a:rPr lang="en-US" smtClean="0"/>
+              <a:pPr/>
+              <a:t>11/6/2014</a:t>
+            </a:fld>
+            <a:endParaRPr lang="en-US"/>
+          </a:p>
+        </p:txBody>
+      </p:sp>
+      <p:sp>
+        <p:nvSpPr>
+          <p:cNvPr id="5" name="Rectangle 5"/>
+          <p:cNvSpPr>
+            <a:spLocks noGrp="1"/>
+          </p:cNvSpPr>
+          <p:nvPr>
+            <p:ph type="ftr" sz="quarter" idx="11"/>
+          </p:nvPr>
+        </p:nvSpPr>
+        <p:spPr/>
+        <p:txBody>
+          <a:bodyPr/>
+          <a:lstStyle/>
+          <a:p>
+            <a:endParaRPr lang="en-US"/>
+          </a:p>
+        </p:txBody>
+      </p:sp>
+      <p:sp>
+        <p:nvSpPr>
+          <p:cNvPr id="6" name="Rectangle 6"/>
+          <p:cNvSpPr>
+            <a:spLocks noGrp="1"/>
+          </p:cNvSpPr>
+          <p:nvPr>
+            <p:ph type="sldNum" sz="quarter" idx="12"/>
+          </p:nvPr>
+        </p:nvSpPr>
+        <p:spPr/>
+        <p:txBody>
+          <a:bodyPr/>
+          <a:lstStyle/>
+          <a:p>
+            <a:fld id="{BE1686F5-D9B0-4B87-9E68-28AD15F2A4F1}" type="slidenum">
+              <a:rPr lang="en-US" smtClean="0"/>
+              <a:pPr/>
+              <a:t>15</a:t>
+            </a:fld>
+            <a:endParaRPr lang="en-US"/>
+          </a:p>
+        </p:txBody>
+      </p:sp>
+      <p:sp>
+        <p:nvSpPr>
+          <p:cNvPr id="7" name="Rectangle 7"/>
+          <p:cNvSpPr>
+            <a:spLocks noGrp="1"/>
+          </p:cNvSpPr>
+          <p:nvPr>
+            <p:ph type="hdr" sz="quarter" idx="13"/>
+          </p:nvPr>
+        </p:nvSpPr>
+        <p:spPr/>
+        <p:txBody>
+          <a:bodyPr/>
+          <a:lstStyle/>
+          <a:p>
+            <a:endParaRPr lang="en-US"/>
+          </a:p>
+        </p:txBody>
+      </p:sp>
+    </p:spTree>
+    <p:extLst>
+      <p:ext uri="{BB962C8B-B14F-4D97-AF65-F5344CB8AC3E}">
+        <p14:creationId xmlns:p14="http://schemas.microsoft.com/office/powerpoint/2010/main" val="1267977337"/>
+      </p:ext>
+    </p:extLst>
+  </p:cSld>
+  <p:clrMapOvr>
+    <a:masterClrMapping/>
+  </p:clrMapOvr>
+</p:notes>
+</file>
+
+<file path=ppt/notesSlides/notesSlide16.xml><?xml version="1.0" encoding="utf-8"?>
+<p:notes xmlns:a="http://schemas.openxmlformats.org/drawingml/2006/main" xmlns:r="http://schemas.openxmlformats.org/officeDocument/2006/relationships" xmlns:p="http://schemas.openxmlformats.org/presentationml/2006/main">
+  <p:cSld>
+    <p:spTree>
+      <p:nvGrpSpPr>
+        <p:cNvPr id="1" name=""/>
+        <p:cNvGrpSpPr/>
+        <p:nvPr/>
+      </p:nvGrpSpPr>
+      <p:grpSpPr>
+        <a:xfrm>
+          <a:off x="0" y="0"/>
+          <a:ext cx="0" cy="0"/>
+          <a:chOff x="0" y="0"/>
+          <a:chExt cx="0" cy="0"/>
+        </a:xfrm>
+      </p:grpSpPr>
+      <p:sp>
+        <p:nvSpPr>
+          <p:cNvPr id="2" name="Rectangle 2"/>
+          <p:cNvSpPr>
+            <a:spLocks noGrp="1" noRot="1" noChangeAspect="1"/>
+          </p:cNvSpPr>
+          <p:nvPr>
+            <p:ph type="sldImg"/>
+          </p:nvPr>
+        </p:nvSpPr>
+        <p:spPr/>
+        <p:txBody>
+          <a:bodyPr/>
+          <a:lstStyle/>
+          <a:p>
+            <a:endParaRPr lang="en-US"/>
+          </a:p>
+        </p:txBody>
+      </p:sp>
+      <p:sp>
+        <p:nvSpPr>
+          <p:cNvPr id="3" name="Rectangle 3"/>
+          <p:cNvSpPr>
+            <a:spLocks noGrp="1"/>
+          </p:cNvSpPr>
+          <p:nvPr>
+            <p:ph type="body" idx="1"/>
+          </p:nvPr>
+        </p:nvSpPr>
+        <p:spPr/>
+        <p:txBody>
+          <a:bodyPr/>
+          <a:lstStyle/>
+          <a:p>
+            <a:endParaRPr lang="en-US"/>
+          </a:p>
+        </p:txBody>
+      </p:sp>
+      <p:sp>
+        <p:nvSpPr>
+          <p:cNvPr id="4" name="Rectangle 4"/>
+          <p:cNvSpPr>
+            <a:spLocks noGrp="1"/>
+          </p:cNvSpPr>
+          <p:nvPr>
+            <p:ph type="dt" idx="10"/>
+          </p:nvPr>
+        </p:nvSpPr>
+        <p:spPr/>
+        <p:txBody>
+          <a:bodyPr/>
+          <a:lstStyle/>
+          <a:p>
+            <a:fld id="{866387FC-CCBE-45D6-8023-B2729909DF51}" type="datetimeFigureOut">
+              <a:rPr lang="en-US" smtClean="0"/>
+              <a:pPr/>
+              <a:t>11/6/2014</a:t>
+            </a:fld>
+            <a:endParaRPr lang="en-US"/>
+          </a:p>
+        </p:txBody>
+      </p:sp>
+      <p:sp>
+        <p:nvSpPr>
+          <p:cNvPr id="5" name="Rectangle 5"/>
+          <p:cNvSpPr>
+            <a:spLocks noGrp="1"/>
+          </p:cNvSpPr>
+          <p:nvPr>
+            <p:ph type="ftr" sz="quarter" idx="11"/>
+          </p:nvPr>
+        </p:nvSpPr>
+        <p:spPr/>
+        <p:txBody>
+          <a:bodyPr/>
+          <a:lstStyle/>
+          <a:p>
+            <a:endParaRPr lang="en-US"/>
+          </a:p>
+        </p:txBody>
+      </p:sp>
+      <p:sp>
+        <p:nvSpPr>
+          <p:cNvPr id="6" name="Rectangle 6"/>
+          <p:cNvSpPr>
+            <a:spLocks noGrp="1"/>
+          </p:cNvSpPr>
+          <p:nvPr>
+            <p:ph type="sldNum" sz="quarter" idx="12"/>
+          </p:nvPr>
+        </p:nvSpPr>
+        <p:spPr/>
+        <p:txBody>
+          <a:bodyPr/>
+          <a:lstStyle/>
+          <a:p>
+            <a:fld id="{BE1686F5-D9B0-4B87-9E68-28AD15F2A4F1}" type="slidenum">
+              <a:rPr lang="en-US" smtClean="0"/>
+              <a:pPr/>
+              <a:t>16</a:t>
+            </a:fld>
+            <a:endParaRPr lang="en-US"/>
+          </a:p>
+        </p:txBody>
+      </p:sp>
+      <p:sp>
+        <p:nvSpPr>
+          <p:cNvPr id="7" name="Rectangle 7"/>
+          <p:cNvSpPr>
+            <a:spLocks noGrp="1"/>
+          </p:cNvSpPr>
+          <p:nvPr>
+            <p:ph type="hdr" sz="quarter" idx="13"/>
+          </p:nvPr>
+        </p:nvSpPr>
+        <p:spPr/>
+        <p:txBody>
+          <a:bodyPr/>
+          <a:lstStyle/>
+          <a:p>
+            <a:endParaRPr lang="en-US"/>
+          </a:p>
+        </p:txBody>
+      </p:sp>
+    </p:spTree>
+    <p:extLst>
+      <p:ext uri="{BB962C8B-B14F-4D97-AF65-F5344CB8AC3E}">
+        <p14:creationId xmlns:p14="http://schemas.microsoft.com/office/powerpoint/2010/main" val="2614336382"/>
+      </p:ext>
+    </p:extLst>
+  </p:cSld>
+  <p:clrMapOvr>
+    <a:masterClrMapping/>
+  </p:clrMapOvr>
+</p:notes>
+</file>
+
+<file path=ppt/notesSlides/notesSlide17.xml><?xml version="1.0" encoding="utf-8"?>
+<p:notes xmlns:a="http://schemas.openxmlformats.org/drawingml/2006/main" xmlns:r="http://schemas.openxmlformats.org/officeDocument/2006/relationships" xmlns:p="http://schemas.openxmlformats.org/presentationml/2006/main">
+  <p:cSld>
+    <p:spTree>
+      <p:nvGrpSpPr>
+        <p:cNvPr id="1" name=""/>
+        <p:cNvGrpSpPr/>
+        <p:nvPr/>
+      </p:nvGrpSpPr>
+      <p:grpSpPr>
+        <a:xfrm>
+          <a:off x="0" y="0"/>
+          <a:ext cx="0" cy="0"/>
+          <a:chOff x="0" y="0"/>
+          <a:chExt cx="0" cy="0"/>
+        </a:xfrm>
+      </p:grpSpPr>
+      <p:sp>
+        <p:nvSpPr>
+          <p:cNvPr id="2" name="Rectangle 2"/>
+          <p:cNvSpPr>
+            <a:spLocks noGrp="1" noRot="1" noChangeAspect="1"/>
+          </p:cNvSpPr>
+          <p:nvPr>
+            <p:ph type="sldImg"/>
+          </p:nvPr>
+        </p:nvSpPr>
+        <p:spPr/>
+        <p:txBody>
+          <a:bodyPr/>
+          <a:lstStyle/>
+          <a:p>
+            <a:endParaRPr lang="en-US"/>
+          </a:p>
+        </p:txBody>
+      </p:sp>
+      <p:sp>
+        <p:nvSpPr>
+          <p:cNvPr id="3" name="Rectangle 3"/>
+          <p:cNvSpPr>
+            <a:spLocks noGrp="1"/>
+          </p:cNvSpPr>
+          <p:nvPr>
+            <p:ph type="body" idx="1"/>
+          </p:nvPr>
+        </p:nvSpPr>
+        <p:spPr/>
+        <p:txBody>
+          <a:bodyPr/>
+          <a:lstStyle/>
+          <a:p>
+            <a:endParaRPr lang="en-US"/>
+          </a:p>
+        </p:txBody>
+      </p:sp>
+      <p:sp>
+        <p:nvSpPr>
+          <p:cNvPr id="4" name="Rectangle 4"/>
+          <p:cNvSpPr>
+            <a:spLocks noGrp="1"/>
+          </p:cNvSpPr>
+          <p:nvPr>
+            <p:ph type="dt" idx="10"/>
+          </p:nvPr>
+        </p:nvSpPr>
+        <p:spPr/>
+        <p:txBody>
+          <a:bodyPr/>
+          <a:lstStyle/>
+          <a:p>
+            <a:fld id="{866387FC-CCBE-45D6-8023-B2729909DF51}" type="datetimeFigureOut">
+              <a:rPr lang="en-US" smtClean="0"/>
+              <a:pPr/>
+              <a:t>11/6/2014</a:t>
+            </a:fld>
+            <a:endParaRPr lang="en-US"/>
+          </a:p>
+        </p:txBody>
+      </p:sp>
+      <p:sp>
+        <p:nvSpPr>
+          <p:cNvPr id="5" name="Rectangle 5"/>
+          <p:cNvSpPr>
+            <a:spLocks noGrp="1"/>
+          </p:cNvSpPr>
+          <p:nvPr>
+            <p:ph type="ftr" sz="quarter" idx="11"/>
+          </p:nvPr>
+        </p:nvSpPr>
+        <p:spPr/>
+        <p:txBody>
+          <a:bodyPr/>
+          <a:lstStyle/>
+          <a:p>
+            <a:endParaRPr lang="en-US"/>
+          </a:p>
+        </p:txBody>
+      </p:sp>
+      <p:sp>
+        <p:nvSpPr>
+          <p:cNvPr id="6" name="Rectangle 6"/>
+          <p:cNvSpPr>
+            <a:spLocks noGrp="1"/>
+          </p:cNvSpPr>
+          <p:nvPr>
+            <p:ph type="sldNum" sz="quarter" idx="12"/>
+          </p:nvPr>
+        </p:nvSpPr>
+        <p:spPr/>
+        <p:txBody>
+          <a:bodyPr/>
+          <a:lstStyle/>
+          <a:p>
+            <a:fld id="{BE1686F5-D9B0-4B87-9E68-28AD15F2A4F1}" type="slidenum">
+              <a:rPr lang="en-US" smtClean="0"/>
+              <a:pPr/>
+              <a:t>17</a:t>
             </a:fld>
             <a:endParaRPr lang="en-US"/>
           </a:p>
@@ -4912,7 +5377,7 @@
             <a:fld id="{866387FC-CCBE-45D6-8023-B2729909DF51}" type="datetimeFigureOut">
               <a:rPr lang="en-US" smtClean="0"/>
               <a:pPr/>
-              <a:t>11/5/2014</a:t>
+              <a:t>11/6/2014</a:t>
             </a:fld>
             <a:endParaRPr lang="en-US"/>
           </a:p>
@@ -5066,7 +5531,7 @@
             <a:fld id="{866387FC-CCBE-45D6-8023-B2729909DF51}" type="datetimeFigureOut">
               <a:rPr lang="en-US" smtClean="0"/>
               <a:pPr/>
-              <a:t>11/5/2014</a:t>
+              <a:t>11/6/2014</a:t>
             </a:fld>
             <a:endParaRPr lang="en-US"/>
           </a:p>
@@ -5220,7 +5685,7 @@
             <a:fld id="{866387FC-CCBE-45D6-8023-B2729909DF51}" type="datetimeFigureOut">
               <a:rPr lang="en-US" smtClean="0"/>
               <a:pPr/>
-              <a:t>11/5/2014</a:t>
+              <a:t>11/6/2014</a:t>
             </a:fld>
             <a:endParaRPr lang="en-US"/>
           </a:p>
@@ -5374,7 +5839,7 @@
             <a:fld id="{866387FC-CCBE-45D6-8023-B2729909DF51}" type="datetimeFigureOut">
               <a:rPr lang="en-US" smtClean="0"/>
               <a:pPr/>
-              <a:t>11/5/2014</a:t>
+              <a:t>11/6/2014</a:t>
             </a:fld>
             <a:endParaRPr lang="en-US"/>
           </a:p>
@@ -5528,7 +5993,7 @@
             <a:fld id="{866387FC-CCBE-45D6-8023-B2729909DF51}" type="datetimeFigureOut">
               <a:rPr lang="en-US" smtClean="0"/>
               <a:pPr/>
-              <a:t>11/5/2014</a:t>
+              <a:t>11/6/2014</a:t>
             </a:fld>
             <a:endParaRPr lang="en-US"/>
           </a:p>
@@ -5682,7 +6147,7 @@
             <a:fld id="{866387FC-CCBE-45D6-8023-B2729909DF51}" type="datetimeFigureOut">
               <a:rPr lang="en-US" smtClean="0"/>
               <a:pPr/>
-              <a:t>11/5/2014</a:t>
+              <a:t>11/6/2014</a:t>
             </a:fld>
             <a:endParaRPr lang="en-US"/>
           </a:p>
@@ -5836,7 +6301,7 @@
             <a:fld id="{866387FC-CCBE-45D6-8023-B2729909DF51}" type="datetimeFigureOut">
               <a:rPr lang="en-US" smtClean="0"/>
               <a:pPr/>
-              <a:t>11/5/2014</a:t>
+              <a:t>11/6/2014</a:t>
             </a:fld>
             <a:endParaRPr lang="en-US"/>
           </a:p>
@@ -5990,7 +6455,7 @@
             <a:fld id="{866387FC-CCBE-45D6-8023-B2729909DF51}" type="datetimeFigureOut">
               <a:rPr lang="en-US" smtClean="0"/>
               <a:pPr/>
-              <a:t>11/5/2014</a:t>
+              <a:t>11/6/2014</a:t>
             </a:fld>
             <a:endParaRPr lang="en-US"/>
           </a:p>
@@ -6448,7 +6913,7 @@
             <a:fld id="{633EFA78-DE0E-433D-8CFA-D9FBF0D95DCD}" type="datetime1">
               <a:rPr lang="en-US" smtClean="0"/>
               <a:pPr/>
-              <a:t>11/5/2014</a:t>
+              <a:t>11/6/2014</a:t>
             </a:fld>
             <a:endParaRPr lang="en-US"/>
           </a:p>
@@ -6625,7 +7090,7 @@
             <a:fld id="{4427F9C6-20A9-45D8-B666-D95AD1AA535F}" type="datetime1">
               <a:rPr lang="en-US" smtClean="0"/>
               <a:pPr/>
-              <a:t>11/5/2014</a:t>
+              <a:t>11/6/2014</a:t>
             </a:fld>
             <a:endParaRPr lang="en-US"/>
           </a:p>
@@ -6740,7 +7205,7 @@
             <a:fld id="{5AFB2161-9FCA-498A-A51E-7B90071250E8}" type="datetime1">
               <a:rPr lang="en-US" smtClean="0"/>
               <a:pPr/>
-              <a:t>11/5/2014</a:t>
+              <a:t>11/6/2014</a:t>
             </a:fld>
             <a:endParaRPr lang="en-US"/>
           </a:p>
@@ -6992,7 +7457,7 @@
             <a:fld id="{9F5395AF-258B-4502-92DF-E211AA281B41}" type="datetime1">
               <a:rPr lang="en-US" smtClean="0"/>
               <a:pPr/>
-              <a:t>11/5/2014</a:t>
+              <a:t>11/6/2014</a:t>
             </a:fld>
             <a:endParaRPr lang="en-US"/>
           </a:p>
@@ -7221,7 +7686,7 @@
             <a:fld id="{A1099F1B-DCEB-4336-9EB0-63F5002A04E3}" type="datetimeFigureOut">
               <a:rPr lang="en-US" smtClean="0"/>
               <a:pPr/>
-              <a:t>11/5/2014</a:t>
+              <a:t>11/6/2014</a:t>
             </a:fld>
             <a:endParaRPr lang="en-US"/>
           </a:p>
@@ -7388,7 +7853,7 @@
             <a:fld id="{A1099F1B-DCEB-4336-9EB0-63F5002A04E3}" type="datetimeFigureOut">
               <a:rPr lang="en-US" smtClean="0"/>
               <a:pPr/>
-              <a:t>11/5/2014</a:t>
+              <a:t>11/6/2014</a:t>
             </a:fld>
             <a:endParaRPr lang="en-US"/>
           </a:p>
@@ -7617,7 +8082,7 @@
             <a:fld id="{A1099F1B-DCEB-4336-9EB0-63F5002A04E3}" type="datetimeFigureOut">
               <a:rPr lang="en-US" smtClean="0"/>
               <a:pPr/>
-              <a:t>11/5/2014</a:t>
+              <a:t>11/6/2014</a:t>
             </a:fld>
             <a:endParaRPr lang="en-US"/>
           </a:p>
@@ -8058,7 +8523,7 @@
             <a:fld id="{1BC102A9-C1B1-4354-89E4-F43472216A4F}" type="datetime1">
               <a:rPr lang="en-US" smtClean="0"/>
               <a:pPr algn="r"/>
-              <a:t>11/5/2014</a:t>
+              <a:t>11/6/2014</a:t>
             </a:fld>
             <a:endParaRPr lang="en-US" sz="1000" dirty="0">
               <a:solidFill>
@@ -8782,6 +9247,12 @@
           <a:p>
             <a:r>
               <a:rPr lang="en-US" dirty="0" smtClean="0"/>
+              <a:t>Alternatives</a:t>
+            </a:r>
+          </a:p>
+          <a:p>
+            <a:r>
+              <a:rPr lang="en-US" dirty="0" smtClean="0"/>
               <a:t>Questions/Concerns</a:t>
             </a:r>
           </a:p>
@@ -8995,6 +9466,13 @@
           <a:p>
             <a:r>
               <a:rPr lang="en-US" dirty="0" smtClean="0"/>
+              <a:t>Alternatives</a:t>
+            </a:r>
+            <a:endParaRPr lang="en-US" strike="sngStrike" dirty="0" smtClean="0"/>
+          </a:p>
+          <a:p>
+            <a:r>
+              <a:rPr lang="en-US" dirty="0" smtClean="0"/>
               <a:t>Questions/Concerns</a:t>
             </a:r>
           </a:p>
@@ -9057,6 +9535,465 @@
           <a:p>
             <a:r>
               <a:rPr lang="en-US" dirty="0" smtClean="0"/>
+              <a:t>Alternatives</a:t>
+            </a:r>
+            <a:endParaRPr lang="en-US" dirty="0"/>
+          </a:p>
+        </p:txBody>
+      </p:sp>
+      <p:sp>
+        <p:nvSpPr>
+          <p:cNvPr id="3" name="Content Placeholder 2"/>
+          <p:cNvSpPr>
+            <a:spLocks noGrp="1"/>
+          </p:cNvSpPr>
+          <p:nvPr>
+            <p:ph idx="1"/>
+          </p:nvPr>
+        </p:nvSpPr>
+        <p:spPr>
+          <a:xfrm>
+            <a:off x="502920" y="530352"/>
+            <a:ext cx="8183880" cy="5108448"/>
+          </a:xfrm>
+        </p:spPr>
+        <p:txBody>
+          <a:bodyPr>
+            <a:normAutofit fontScale="92500" lnSpcReduction="10000"/>
+          </a:bodyPr>
+          <a:lstStyle/>
+          <a:p>
+            <a:pPr marL="0" indent="0">
+              <a:buNone/>
+            </a:pPr>
+            <a:r>
+              <a:rPr lang="en-US" dirty="0" smtClean="0"/>
+              <a:t>Modify an already existing drone control system to use XAPI.</a:t>
+            </a:r>
+          </a:p>
+          <a:p>
+            <a:pPr marL="0" indent="0">
+              <a:buNone/>
+            </a:pPr>
+            <a:endParaRPr lang="en-US" dirty="0"/>
+          </a:p>
+          <a:p>
+            <a:pPr marL="0" indent="0">
+              <a:buNone/>
+            </a:pPr>
+            <a:r>
+              <a:rPr lang="en-US" dirty="0" smtClean="0"/>
+              <a:t>Pros:</a:t>
+            </a:r>
+          </a:p>
+          <a:p>
+            <a:r>
+              <a:rPr lang="en-US" dirty="0" smtClean="0"/>
+              <a:t>Simplify development of flight system</a:t>
+            </a:r>
+          </a:p>
+          <a:p>
+            <a:pPr lvl="1"/>
+            <a:r>
+              <a:rPr lang="en-US" dirty="0" smtClean="0"/>
+              <a:t>Altitude hold</a:t>
+            </a:r>
+          </a:p>
+          <a:p>
+            <a:pPr lvl="1"/>
+            <a:r>
+              <a:rPr lang="en-US" dirty="0" smtClean="0"/>
+              <a:t>Drift </a:t>
+            </a:r>
+            <a:r>
+              <a:rPr lang="en-US" dirty="0" err="1" smtClean="0"/>
+              <a:t>compenstation</a:t>
+            </a:r>
+            <a:endParaRPr lang="en-US" dirty="0" smtClean="0"/>
+          </a:p>
+          <a:p>
+            <a:pPr lvl="1"/>
+            <a:r>
+              <a:rPr lang="en-US" dirty="0" smtClean="0"/>
+              <a:t>etc</a:t>
+            </a:r>
+            <a:r>
+              <a:rPr lang="en-US" dirty="0" smtClean="0"/>
+              <a:t>..</a:t>
+            </a:r>
+          </a:p>
+          <a:p>
+            <a:r>
+              <a:rPr lang="en-US" dirty="0" smtClean="0"/>
+              <a:t>Allows for concentration on software tools</a:t>
+            </a:r>
+            <a:endParaRPr lang="en-US" dirty="0"/>
+          </a:p>
+          <a:p>
+            <a:pPr marL="0" indent="0">
+              <a:buNone/>
+            </a:pPr>
+            <a:r>
+              <a:rPr lang="en-US" dirty="0" smtClean="0"/>
+              <a:t>Cons:</a:t>
+            </a:r>
+          </a:p>
+          <a:p>
+            <a:r>
+              <a:rPr lang="en-US" dirty="0" smtClean="0"/>
+              <a:t>Modification may prove to be more difficult</a:t>
+            </a:r>
+          </a:p>
+          <a:p>
+            <a:pPr lvl="1"/>
+            <a:r>
+              <a:rPr lang="en-US" dirty="0" smtClean="0"/>
+              <a:t>May be a dead end or require more work than current approach</a:t>
+            </a:r>
+          </a:p>
+          <a:p>
+            <a:endParaRPr lang="en-US" dirty="0"/>
+          </a:p>
+        </p:txBody>
+      </p:sp>
+    </p:spTree>
+    <p:extLst>
+      <p:ext uri="{BB962C8B-B14F-4D97-AF65-F5344CB8AC3E}">
+        <p14:creationId xmlns:p14="http://schemas.microsoft.com/office/powerpoint/2010/main" val="4046435528"/>
+      </p:ext>
+    </p:extLst>
+  </p:cSld>
+  <p:clrMapOvr>
+    <a:masterClrMapping/>
+  </p:clrMapOvr>
+  <p:timing>
+    <p:tnLst>
+      <p:par>
+        <p:cTn id="1" dur="indefinite" restart="never" nodeType="tmRoot"/>
+      </p:par>
+    </p:tnLst>
+  </p:timing>
+</p:sld>
+</file>
+
+<file path=ppt/slides/slide15.xml><?xml version="1.0" encoding="utf-8"?>
+<p:sld xmlns:a="http://schemas.openxmlformats.org/drawingml/2006/main" xmlns:r="http://schemas.openxmlformats.org/officeDocument/2006/relationships" xmlns:p="http://schemas.openxmlformats.org/presentationml/2006/main">
+  <p:cSld>
+    <p:spTree>
+      <p:nvGrpSpPr>
+        <p:cNvPr id="1" name=""/>
+        <p:cNvGrpSpPr/>
+        <p:nvPr/>
+      </p:nvGrpSpPr>
+      <p:grpSpPr>
+        <a:xfrm>
+          <a:off x="0" y="0"/>
+          <a:ext cx="0" cy="0"/>
+          <a:chOff x="0" y="0"/>
+          <a:chExt cx="0" cy="0"/>
+        </a:xfrm>
+      </p:grpSpPr>
+      <p:sp>
+        <p:nvSpPr>
+          <p:cNvPr id="2" name="Rectangle 2"/>
+          <p:cNvSpPr>
+            <a:spLocks noGrp="1"/>
+          </p:cNvSpPr>
+          <p:nvPr>
+            <p:ph type="title"/>
+          </p:nvPr>
+        </p:nvSpPr>
+        <p:spPr/>
+        <p:txBody>
+          <a:bodyPr/>
+          <a:lstStyle/>
+          <a:p>
+            <a:r>
+              <a:rPr lang="en-US" dirty="0" smtClean="0"/>
+              <a:t>Alternatives</a:t>
+            </a:r>
+            <a:endParaRPr lang="en-US" dirty="0"/>
+          </a:p>
+        </p:txBody>
+      </p:sp>
+      <p:sp>
+        <p:nvSpPr>
+          <p:cNvPr id="3" name="Content Placeholder 2"/>
+          <p:cNvSpPr>
+            <a:spLocks noGrp="1"/>
+          </p:cNvSpPr>
+          <p:nvPr>
+            <p:ph idx="1"/>
+          </p:nvPr>
+        </p:nvSpPr>
+        <p:spPr>
+          <a:xfrm>
+            <a:off x="502920" y="530352"/>
+            <a:ext cx="8183880" cy="5108448"/>
+          </a:xfrm>
+        </p:spPr>
+        <p:txBody>
+          <a:bodyPr>
+            <a:normAutofit fontScale="85000" lnSpcReduction="10000"/>
+          </a:bodyPr>
+          <a:lstStyle/>
+          <a:p>
+            <a:pPr marL="0" indent="0">
+              <a:buNone/>
+            </a:pPr>
+            <a:r>
+              <a:rPr lang="en-US" dirty="0" smtClean="0"/>
+              <a:t>The other alternative is to re-scope the project in order to focus on communications design and the flight planning tools by abstracting the hardware.   </a:t>
+            </a:r>
+            <a:endParaRPr lang="en-US" dirty="0"/>
+          </a:p>
+          <a:p>
+            <a:pPr marL="0" indent="0">
+              <a:buNone/>
+            </a:pPr>
+            <a:endParaRPr lang="en-US" dirty="0" smtClean="0"/>
+          </a:p>
+          <a:p>
+            <a:pPr marL="0" indent="0">
+              <a:buNone/>
+            </a:pPr>
+            <a:r>
+              <a:rPr lang="en-US" dirty="0" smtClean="0"/>
+              <a:t>Pros:</a:t>
+            </a:r>
+          </a:p>
+          <a:p>
+            <a:r>
+              <a:rPr lang="en-US" dirty="0" smtClean="0"/>
+              <a:t>More solid communication protocol</a:t>
+            </a:r>
+          </a:p>
+          <a:p>
+            <a:r>
+              <a:rPr lang="en-US" dirty="0" smtClean="0"/>
+              <a:t>Solid planning tools (GUI</a:t>
+            </a:r>
+            <a:r>
+              <a:rPr lang="en-US" dirty="0" smtClean="0"/>
+              <a:t>)</a:t>
+            </a:r>
+          </a:p>
+          <a:p>
+            <a:r>
+              <a:rPr lang="en-US" dirty="0" smtClean="0"/>
+              <a:t>Allow assembly for a more knowledgeable hardware team</a:t>
+            </a:r>
+            <a:endParaRPr lang="en-US" dirty="0" smtClean="0"/>
+          </a:p>
+          <a:p>
+            <a:endParaRPr lang="en-US" dirty="0"/>
+          </a:p>
+          <a:p>
+            <a:pPr marL="0" indent="0">
+              <a:buNone/>
+            </a:pPr>
+            <a:r>
+              <a:rPr lang="en-US" dirty="0" smtClean="0"/>
+              <a:t>Cons:</a:t>
+            </a:r>
+          </a:p>
+          <a:p>
+            <a:r>
+              <a:rPr lang="en-US" dirty="0" smtClean="0"/>
+              <a:t>Abstract design that needs further implementation to be compatible with real-world hardware</a:t>
+            </a:r>
+            <a:endParaRPr lang="en-US" dirty="0"/>
+          </a:p>
+        </p:txBody>
+      </p:sp>
+    </p:spTree>
+    <p:extLst>
+      <p:ext uri="{BB962C8B-B14F-4D97-AF65-F5344CB8AC3E}">
+        <p14:creationId xmlns:p14="http://schemas.microsoft.com/office/powerpoint/2010/main" val="3559773131"/>
+      </p:ext>
+    </p:extLst>
+  </p:cSld>
+  <p:clrMapOvr>
+    <a:masterClrMapping/>
+  </p:clrMapOvr>
+  <p:timing>
+    <p:tnLst>
+      <p:par>
+        <p:cTn id="1" dur="indefinite" restart="never" nodeType="tmRoot"/>
+      </p:par>
+    </p:tnLst>
+  </p:timing>
+</p:sld>
+</file>
+
+<file path=ppt/slides/slide16.xml><?xml version="1.0" encoding="utf-8"?>
+<p:sld xmlns:a="http://schemas.openxmlformats.org/drawingml/2006/main" xmlns:r="http://schemas.openxmlformats.org/officeDocument/2006/relationships" xmlns:p="http://schemas.openxmlformats.org/presentationml/2006/main">
+  <p:cSld>
+    <p:spTree>
+      <p:nvGrpSpPr>
+        <p:cNvPr id="1" name=""/>
+        <p:cNvGrpSpPr/>
+        <p:nvPr/>
+      </p:nvGrpSpPr>
+      <p:grpSpPr>
+        <a:xfrm>
+          <a:off x="0" y="0"/>
+          <a:ext cx="0" cy="0"/>
+          <a:chOff x="0" y="0"/>
+          <a:chExt cx="0" cy="0"/>
+        </a:xfrm>
+      </p:grpSpPr>
+      <p:sp>
+        <p:nvSpPr>
+          <p:cNvPr id="2" name="Rectangle 2"/>
+          <p:cNvSpPr>
+            <a:spLocks noGrp="1"/>
+          </p:cNvSpPr>
+          <p:nvPr>
+            <p:ph type="title"/>
+          </p:nvPr>
+        </p:nvSpPr>
+        <p:spPr/>
+        <p:txBody>
+          <a:bodyPr/>
+          <a:lstStyle/>
+          <a:p>
+            <a:r>
+              <a:rPr lang="en-US" dirty="0" smtClean="0"/>
+              <a:t>Overview</a:t>
+            </a:r>
+            <a:endParaRPr lang="en-US" dirty="0"/>
+          </a:p>
+        </p:txBody>
+      </p:sp>
+      <p:sp>
+        <p:nvSpPr>
+          <p:cNvPr id="3" name="Content Placeholder 2"/>
+          <p:cNvSpPr>
+            <a:spLocks noGrp="1"/>
+          </p:cNvSpPr>
+          <p:nvPr>
+            <p:ph idx="1"/>
+          </p:nvPr>
+        </p:nvSpPr>
+        <p:spPr/>
+        <p:txBody>
+          <a:bodyPr/>
+          <a:lstStyle/>
+          <a:p>
+            <a:r>
+              <a:rPr lang="en-US" strike="sngStrike" dirty="0" smtClean="0"/>
+              <a:t>Problem Definition</a:t>
+            </a:r>
+          </a:p>
+          <a:p>
+            <a:r>
+              <a:rPr lang="en-US" strike="sngStrike" dirty="0" smtClean="0"/>
+              <a:t>Specific Component Design</a:t>
+            </a:r>
+          </a:p>
+          <a:p>
+            <a:pPr lvl="1"/>
+            <a:r>
+              <a:rPr lang="en-US" strike="sngStrike" dirty="0" smtClean="0"/>
+              <a:t>Communications Design</a:t>
+            </a:r>
+          </a:p>
+          <a:p>
+            <a:pPr lvl="1"/>
+            <a:r>
+              <a:rPr lang="en-US" strike="sngStrike" dirty="0" smtClean="0"/>
+              <a:t>Drone </a:t>
+            </a:r>
+            <a:r>
+              <a:rPr lang="en-US" strike="sngStrike" dirty="0"/>
+              <a:t>Design</a:t>
+            </a:r>
+          </a:p>
+          <a:p>
+            <a:pPr lvl="1"/>
+            <a:r>
+              <a:rPr lang="en-US" strike="sngStrike" dirty="0" smtClean="0"/>
+              <a:t>Graphical User Interface Design</a:t>
+            </a:r>
+          </a:p>
+          <a:p>
+            <a:r>
+              <a:rPr lang="en-US" strike="sngStrike" dirty="0" smtClean="0"/>
+              <a:t>Timeline</a:t>
+            </a:r>
+          </a:p>
+          <a:p>
+            <a:r>
+              <a:rPr lang="en-US" strike="sngStrike" dirty="0" smtClean="0"/>
+              <a:t>Alternatives</a:t>
+            </a:r>
+          </a:p>
+          <a:p>
+            <a:r>
+              <a:rPr lang="en-US" dirty="0" smtClean="0"/>
+              <a:t>Questions/Concerns</a:t>
+            </a:r>
+          </a:p>
+          <a:p>
+            <a:endParaRPr lang="en-US" dirty="0"/>
+          </a:p>
+        </p:txBody>
+      </p:sp>
+    </p:spTree>
+    <p:extLst>
+      <p:ext uri="{BB962C8B-B14F-4D97-AF65-F5344CB8AC3E}">
+        <p14:creationId xmlns:p14="http://schemas.microsoft.com/office/powerpoint/2010/main" val="76727489"/>
+      </p:ext>
+    </p:extLst>
+  </p:cSld>
+  <p:clrMapOvr>
+    <a:masterClrMapping/>
+  </p:clrMapOvr>
+  <p:timing>
+    <p:tnLst>
+      <p:par>
+        <p:cTn id="1" dur="indefinite" restart="never" nodeType="tmRoot"/>
+      </p:par>
+    </p:tnLst>
+  </p:timing>
+</p:sld>
+</file>
+
+<file path=ppt/slides/slide17.xml><?xml version="1.0" encoding="utf-8"?>
+<p:sld xmlns:a="http://schemas.openxmlformats.org/drawingml/2006/main" xmlns:r="http://schemas.openxmlformats.org/officeDocument/2006/relationships" xmlns:p="http://schemas.openxmlformats.org/presentationml/2006/main">
+  <p:cSld>
+    <p:spTree>
+      <p:nvGrpSpPr>
+        <p:cNvPr id="1" name=""/>
+        <p:cNvGrpSpPr/>
+        <p:nvPr/>
+      </p:nvGrpSpPr>
+      <p:grpSpPr>
+        <a:xfrm>
+          <a:off x="0" y="0"/>
+          <a:ext cx="0" cy="0"/>
+          <a:chOff x="0" y="0"/>
+          <a:chExt cx="0" cy="0"/>
+        </a:xfrm>
+      </p:grpSpPr>
+      <p:sp>
+        <p:nvSpPr>
+          <p:cNvPr id="2" name="Rectangle 2"/>
+          <p:cNvSpPr>
+            <a:spLocks noGrp="1"/>
+          </p:cNvSpPr>
+          <p:nvPr>
+            <p:ph type="title"/>
+          </p:nvPr>
+        </p:nvSpPr>
+        <p:spPr/>
+        <p:txBody>
+          <a:bodyPr/>
+          <a:lstStyle/>
+          <a:p>
+            <a:r>
+              <a:rPr lang="en-US" dirty="0" smtClean="0"/>
               <a:t>Thank You</a:t>
             </a:r>
             <a:endParaRPr lang="en-US" dirty="0"/>
@@ -9214,6 +10151,12 @@
           <a:p>
             <a:r>
               <a:rPr lang="en-US" dirty="0" smtClean="0"/>
+              <a:t>Alternatives</a:t>
+            </a:r>
+          </a:p>
+          <a:p>
+            <a:r>
+              <a:rPr lang="en-US" dirty="0" smtClean="0"/>
               <a:t>Questions/Concerns</a:t>
             </a:r>
           </a:p>
@@ -9287,10 +10230,15 @@
             <p:ph idx="1"/>
           </p:nvPr>
         </p:nvSpPr>
-        <p:spPr/>
+        <p:spPr>
+          <a:xfrm>
+            <a:off x="502920" y="530352"/>
+            <a:ext cx="8183880" cy="4956048"/>
+          </a:xfrm>
+        </p:spPr>
         <p:txBody>
           <a:bodyPr>
-            <a:normAutofit lnSpcReduction="10000"/>
+            <a:normAutofit fontScale="92500"/>
           </a:bodyPr>
           <a:lstStyle/>
           <a:p>
@@ -9299,8 +10247,13 @@
             </a:pPr>
             <a:r>
               <a:rPr lang="en-US" dirty="0" smtClean="0"/>
-              <a:t>The goal of this project is to design and develop a graphical user interface (GUI). </a:t>
-            </a:r>
+              <a:t>The goal of this project is to design and develop a graphical user interface (GUI</a:t>
+            </a:r>
+            <a:r>
+              <a:rPr lang="en-US" dirty="0" smtClean="0"/>
+              <a:t>) for drone mission planning. </a:t>
+            </a:r>
+            <a:endParaRPr lang="en-US" dirty="0" smtClean="0"/>
           </a:p>
           <a:p>
             <a:pPr marL="0" indent="0">
@@ -9343,8 +10296,19 @@
           <a:p>
             <a:r>
               <a:rPr lang="en-US" dirty="0" smtClean="0"/>
-              <a:t>Allow manual override</a:t>
-            </a:r>
+              <a:t>Allow manual </a:t>
+            </a:r>
+            <a:r>
+              <a:rPr lang="en-US" dirty="0" smtClean="0"/>
+              <a:t>override</a:t>
+            </a:r>
+          </a:p>
+          <a:p>
+            <a:r>
+              <a:rPr lang="en-US" dirty="0" smtClean="0"/>
+              <a:t>Implement drone hardware for flight control</a:t>
+            </a:r>
+            <a:endParaRPr lang="en-US" dirty="0" smtClean="0"/>
           </a:p>
           <a:p>
             <a:endParaRPr lang="en-US" dirty="0" smtClean="0"/>
@@ -9464,6 +10428,12 @@
             <a:r>
               <a:rPr lang="en-US" dirty="0" smtClean="0"/>
               <a:t>Timeline</a:t>
+            </a:r>
+          </a:p>
+          <a:p>
+            <a:r>
+              <a:rPr lang="en-US" dirty="0" smtClean="0"/>
+              <a:t>Alternatives</a:t>
             </a:r>
           </a:p>
           <a:p>
@@ -9603,7 +10573,7 @@
         <p:spPr>
           <a:xfrm>
             <a:off x="655320" y="682752"/>
-            <a:ext cx="8183880" cy="4187952"/>
+            <a:ext cx="8183880" cy="5032248"/>
           </a:xfrm>
           <a:prstGeom prst="rect">
             <a:avLst/>
@@ -9611,7 +10581,7 @@
         </p:spPr>
         <p:txBody>
           <a:bodyPr vert="horz" lIns="182880" tIns="91440">
-            <a:normAutofit fontScale="85000" lnSpcReduction="10000"/>
+            <a:normAutofit fontScale="77500" lnSpcReduction="20000"/>
           </a:bodyPr>
           <a:lstStyle>
             <a:lvl1pPr marL="265176" indent="-265176" algn="l" rtl="0" eaLnBrk="1" latinLnBrk="0" hangingPunct="1">
@@ -9847,7 +10817,10 @@
               <a:rPr lang="en-US" dirty="0" err="1" smtClean="0"/>
               <a:t>XBee</a:t>
             </a:r>
-            <a:endParaRPr lang="en-US" dirty="0" smtClean="0"/>
+            <a:r>
+              <a:rPr lang="en-US" dirty="0" smtClean="0"/>
+              <a:t> hardware</a:t>
+            </a:r>
           </a:p>
           <a:p>
             <a:r>
@@ -9859,7 +10832,11 @@
             <a:pPr lvl="1"/>
             <a:r>
               <a:rPr lang="en-US" dirty="0" smtClean="0"/>
-              <a:t>Drone instructions (altitude, direction, takeoff, etc..)</a:t>
+              <a:t>Manual drone </a:t>
+            </a:r>
+            <a:r>
+              <a:rPr lang="en-US" dirty="0" smtClean="0"/>
+              <a:t>instructions (altitude, direction, takeoff, etc..)</a:t>
             </a:r>
           </a:p>
           <a:p>
@@ -9880,14 +10857,50 @@
             <a:pPr lvl="1"/>
             <a:r>
               <a:rPr lang="en-US" dirty="0" smtClean="0"/>
-              <a:t>Heartbeat (to tell if still in connected)</a:t>
-            </a:r>
+              <a:t>Heartbeat/status updates</a:t>
+            </a:r>
+            <a:endParaRPr lang="en-US" dirty="0" smtClean="0"/>
           </a:p>
           <a:p>
             <a:pPr lvl="1"/>
             <a:r>
               <a:rPr lang="en-US" dirty="0" smtClean="0"/>
               <a:t>Override (manual, land)</a:t>
+            </a:r>
+          </a:p>
+          <a:p>
+            <a:pPr lvl="1"/>
+            <a:r>
+              <a:rPr lang="en-US" dirty="0" smtClean="0"/>
+              <a:t>Flight plan protocol</a:t>
+            </a:r>
+          </a:p>
+          <a:p>
+            <a:pPr lvl="2"/>
+            <a:r>
+              <a:rPr lang="en-US" dirty="0" smtClean="0"/>
+              <a:t>Initialize for upload</a:t>
+            </a:r>
+          </a:p>
+          <a:p>
+            <a:pPr lvl="2"/>
+            <a:r>
+              <a:rPr lang="en-US" dirty="0" smtClean="0"/>
+              <a:t>Get instructions</a:t>
+            </a:r>
+          </a:p>
+          <a:p>
+            <a:pPr lvl="2"/>
+            <a:r>
+              <a:rPr lang="en-US" dirty="0" smtClean="0"/>
+              <a:t>Echo instructions</a:t>
+            </a:r>
+          </a:p>
+          <a:p>
+            <a:pPr lvl="2"/>
+            <a:r>
+              <a:rPr lang="en-US" dirty="0" smtClean="0"/>
+              <a:t>Terminate upload</a:t>
             </a:r>
           </a:p>
           <a:p>
@@ -10149,6 +11162,12 @@
           <a:p>
             <a:r>
               <a:rPr lang="en-US" dirty="0" smtClean="0"/>
+              <a:t>Alternatives</a:t>
+            </a:r>
+          </a:p>
+          <a:p>
+            <a:r>
+              <a:rPr lang="en-US" dirty="0" smtClean="0"/>
               <a:t>Questions/Concerns</a:t>
             </a:r>
           </a:p>
@@ -10351,6 +11370,12 @@
             <a:r>
               <a:rPr lang="en-US" dirty="0" smtClean="0"/>
               <a:t>Timeline</a:t>
+            </a:r>
+          </a:p>
+          <a:p>
+            <a:r>
+              <a:rPr lang="en-US" dirty="0" smtClean="0"/>
+              <a:t>Alternatives</a:t>
             </a:r>
           </a:p>
           <a:p>
